--- a/final_presentation_ds160.pptx
+++ b/final_presentation_ds160.pptx
@@ -13,13 +13,13 @@
     <p:sldId id="266" r:id="rId7"/>
     <p:sldId id="267" r:id="rId8"/>
     <p:sldId id="268" r:id="rId9"/>
-    <p:sldId id="261" r:id="rId10"/>
-    <p:sldId id="262" r:id="rId11"/>
-    <p:sldId id="263" r:id="rId12"/>
-    <p:sldId id="269" r:id="rId13"/>
-    <p:sldId id="264" r:id="rId14"/>
-    <p:sldId id="265" r:id="rId15"/>
-    <p:sldId id="270" r:id="rId16"/>
+    <p:sldId id="271" r:id="rId10"/>
+    <p:sldId id="261" r:id="rId11"/>
+    <p:sldId id="262" r:id="rId12"/>
+    <p:sldId id="263" r:id="rId13"/>
+    <p:sldId id="269" r:id="rId14"/>
+    <p:sldId id="264" r:id="rId15"/>
+    <p:sldId id="265" r:id="rId16"/>
   </p:sldIdLst>
   <p:sldSz cx="12192000" cy="6858000"/>
   <p:notesSz cx="6858000" cy="9144000"/>
@@ -280,7 +280,7 @@
           <a:p>
             <a:fld id="{C171DC17-4A50-5F49-AEC7-C955C81B92E5}" type="datetimeFigureOut">
               <a:rPr lang="en-US" smtClean="0"/>
-              <a:t>12/11/2023</a:t>
+              <a:t>12/14/2023</a:t>
             </a:fld>
             <a:endParaRPr lang="en-US"/>
           </a:p>
@@ -597,7 +597,7 @@
           <a:p>
             <a:fld id="{C171DC17-4A50-5F49-AEC7-C955C81B92E5}" type="datetimeFigureOut">
               <a:rPr lang="en-US" smtClean="0"/>
-              <a:t>12/11/2023</a:t>
+              <a:t>12/14/2023</a:t>
             </a:fld>
             <a:endParaRPr lang="en-US"/>
           </a:p>
@@ -795,7 +795,7 @@
           <a:p>
             <a:fld id="{C171DC17-4A50-5F49-AEC7-C955C81B92E5}" type="datetimeFigureOut">
               <a:rPr lang="en-US" smtClean="0"/>
-              <a:t>12/11/2023</a:t>
+              <a:t>12/14/2023</a:t>
             </a:fld>
             <a:endParaRPr lang="en-US"/>
           </a:p>
@@ -1003,7 +1003,7 @@
           <a:p>
             <a:fld id="{C171DC17-4A50-5F49-AEC7-C955C81B92E5}" type="datetimeFigureOut">
               <a:rPr lang="en-US" smtClean="0"/>
-              <a:t>12/11/2023</a:t>
+              <a:t>12/14/2023</a:t>
             </a:fld>
             <a:endParaRPr lang="en-US"/>
           </a:p>
@@ -1246,7 +1246,7 @@
           <a:p>
             <a:fld id="{C171DC17-4A50-5F49-AEC7-C955C81B92E5}" type="datetimeFigureOut">
               <a:rPr lang="en-US" smtClean="0"/>
-              <a:t>12/11/2023</a:t>
+              <a:t>12/14/2023</a:t>
             </a:fld>
             <a:endParaRPr lang="en-US"/>
           </a:p>
@@ -1473,7 +1473,7 @@
           <a:p>
             <a:fld id="{C171DC17-4A50-5F49-AEC7-C955C81B92E5}" type="datetimeFigureOut">
               <a:rPr lang="en-US" smtClean="0"/>
-              <a:t>12/11/2023</a:t>
+              <a:t>12/14/2023</a:t>
             </a:fld>
             <a:endParaRPr lang="en-US"/>
           </a:p>
@@ -1755,7 +1755,7 @@
           <a:p>
             <a:fld id="{C171DC17-4A50-5F49-AEC7-C955C81B92E5}" type="datetimeFigureOut">
               <a:rPr lang="en-US" smtClean="0"/>
-              <a:t>12/11/2023</a:t>
+              <a:t>12/14/2023</a:t>
             </a:fld>
             <a:endParaRPr lang="en-US"/>
           </a:p>
@@ -2049,7 +2049,7 @@
           <a:p>
             <a:fld id="{C171DC17-4A50-5F49-AEC7-C955C81B92E5}" type="datetimeFigureOut">
               <a:rPr lang="en-US" smtClean="0"/>
-              <a:t>12/11/2023</a:t>
+              <a:t>12/14/2023</a:t>
             </a:fld>
             <a:endParaRPr lang="en-US"/>
           </a:p>
@@ -2461,7 +2461,7 @@
           <a:p>
             <a:fld id="{C171DC17-4A50-5F49-AEC7-C955C81B92E5}" type="datetimeFigureOut">
               <a:rPr lang="en-US" smtClean="0"/>
-              <a:t>12/11/2023</a:t>
+              <a:t>12/14/2023</a:t>
             </a:fld>
             <a:endParaRPr lang="en-US"/>
           </a:p>
@@ -2602,7 +2602,7 @@
           <a:p>
             <a:fld id="{C171DC17-4A50-5F49-AEC7-C955C81B92E5}" type="datetimeFigureOut">
               <a:rPr lang="en-US" smtClean="0"/>
-              <a:t>12/11/2023</a:t>
+              <a:t>12/14/2023</a:t>
             </a:fld>
             <a:endParaRPr lang="en-US"/>
           </a:p>
@@ -2715,7 +2715,7 @@
           <a:p>
             <a:fld id="{C171DC17-4A50-5F49-AEC7-C955C81B92E5}" type="datetimeFigureOut">
               <a:rPr lang="en-US" smtClean="0"/>
-              <a:t>12/11/2023</a:t>
+              <a:t>12/14/2023</a:t>
             </a:fld>
             <a:endParaRPr lang="en-US"/>
           </a:p>
@@ -3026,7 +3026,7 @@
           <a:p>
             <a:fld id="{C171DC17-4A50-5F49-AEC7-C955C81B92E5}" type="datetimeFigureOut">
               <a:rPr lang="en-US" smtClean="0"/>
-              <a:t>12/11/2023</a:t>
+              <a:t>12/14/2023</a:t>
             </a:fld>
             <a:endParaRPr lang="en-US"/>
           </a:p>
@@ -3315,7 +3315,7 @@
             <a:fld id="{C171DC17-4A50-5F49-AEC7-C955C81B92E5}" type="datetimeFigureOut">
               <a:rPr lang="en-US" smtClean="0"/>
               <a:pPr/>
-              <a:t>12/11/2023</a:t>
+              <a:t>12/14/2023</a:t>
             </a:fld>
             <a:endParaRPr lang="en-US" dirty="0"/>
           </a:p>
@@ -3858,6 +3858,104 @@
           <p:cNvPr id="2" name="Title 1">
             <a:extLst>
               <a:ext uri="{FF2B5EF4-FFF2-40B4-BE49-F238E27FC236}">
+                <a16:creationId xmlns:a16="http://schemas.microsoft.com/office/drawing/2014/main" id="{6BC5D247-3D3A-CA0A-3816-709E710EDD4E}"/>
+              </a:ext>
+            </a:extLst>
+          </p:cNvPr>
+          <p:cNvSpPr>
+            <a:spLocks noGrp="1"/>
+          </p:cNvSpPr>
+          <p:nvPr>
+            <p:ph type="title"/>
+          </p:nvPr>
+        </p:nvSpPr>
+        <p:spPr>
+          <a:xfrm>
+            <a:off x="838200" y="365129"/>
+            <a:ext cx="10515600" cy="1325563"/>
+          </a:xfrm>
+        </p:spPr>
+        <p:txBody>
+          <a:bodyPr anchor="ctr">
+            <a:normAutofit/>
+          </a:bodyPr>
+          <a:lstStyle/>
+          <a:p>
+            <a:r>
+              <a:rPr lang="en-US" dirty="0"/>
+              <a:t>Experiment One – 33% Test Size</a:t>
+            </a:r>
+          </a:p>
+        </p:txBody>
+      </p:sp>
+      <p:pic>
+        <p:nvPicPr>
+          <p:cNvPr id="4" name="Content Placeholder 3" descr="A number of numbers on a white background&#10;&#10;Description automatically generated">
+            <a:extLst>
+              <a:ext uri="{FF2B5EF4-FFF2-40B4-BE49-F238E27FC236}">
+                <a16:creationId xmlns:a16="http://schemas.microsoft.com/office/drawing/2014/main" id="{7980E755-360A-B799-3F78-C9B80399A303}"/>
+              </a:ext>
+            </a:extLst>
+          </p:cNvPr>
+          <p:cNvPicPr>
+            <a:picLocks noGrp="1" noChangeAspect="1"/>
+          </p:cNvPicPr>
+          <p:nvPr>
+            <p:ph idx="1"/>
+          </p:nvPr>
+        </p:nvPicPr>
+        <p:blipFill>
+          <a:blip r:embed="rId2"/>
+          <a:stretch>
+            <a:fillRect/>
+          </a:stretch>
+        </p:blipFill>
+        <p:spPr>
+          <a:xfrm>
+            <a:off x="838200" y="2410809"/>
+            <a:ext cx="10515600" cy="3180970"/>
+          </a:xfrm>
+          <a:prstGeom prst="rect">
+            <a:avLst/>
+          </a:prstGeom>
+          <a:noFill/>
+        </p:spPr>
+      </p:pic>
+    </p:spTree>
+    <p:extLst>
+      <p:ext uri="{BB962C8B-B14F-4D97-AF65-F5344CB8AC3E}">
+        <p14:creationId xmlns:p14="http://schemas.microsoft.com/office/powerpoint/2010/main" val="259225579"/>
+      </p:ext>
+    </p:extLst>
+  </p:cSld>
+  <p:clrMapOvr>
+    <a:masterClrMapping/>
+  </p:clrMapOvr>
+</p:sld>
+</file>
+
+<file path=ppt/slides/slide11.xml><?xml version="1.0" encoding="utf-8"?>
+<p:sld xmlns:a="http://schemas.openxmlformats.org/drawingml/2006/main" xmlns:r="http://schemas.openxmlformats.org/officeDocument/2006/relationships" xmlns:p="http://schemas.openxmlformats.org/presentationml/2006/main">
+  <p:cSld>
+    <p:spTree>
+      <p:nvGrpSpPr>
+        <p:cNvPr id="1" name=""/>
+        <p:cNvGrpSpPr/>
+        <p:nvPr/>
+      </p:nvGrpSpPr>
+      <p:grpSpPr>
+        <a:xfrm>
+          <a:off x="0" y="0"/>
+          <a:ext cx="0" cy="0"/>
+          <a:chOff x="0" y="0"/>
+          <a:chExt cx="0" cy="0"/>
+        </a:xfrm>
+      </p:grpSpPr>
+      <p:sp>
+        <p:nvSpPr>
+          <p:cNvPr id="2" name="Title 1">
+            <a:extLst>
+              <a:ext uri="{FF2B5EF4-FFF2-40B4-BE49-F238E27FC236}">
                 <a16:creationId xmlns:a16="http://schemas.microsoft.com/office/drawing/2014/main" id="{38373BB7-BD72-8E79-E44B-B3FBA8271A15}"/>
               </a:ext>
             </a:extLst>
@@ -3934,7 +4032,7 @@
 </p:sld>
 </file>
 
-<file path=ppt/slides/slide11.xml><?xml version="1.0" encoding="utf-8"?>
+<file path=ppt/slides/slide12.xml><?xml version="1.0" encoding="utf-8"?>
 <p:sld xmlns:a="http://schemas.openxmlformats.org/drawingml/2006/main" xmlns:r="http://schemas.openxmlformats.org/officeDocument/2006/relationships" xmlns:p="http://schemas.openxmlformats.org/presentationml/2006/main">
   <p:cSld>
     <p:spTree>
@@ -4032,113 +4130,6 @@
 </p:sld>
 </file>
 
-<file path=ppt/slides/slide12.xml><?xml version="1.0" encoding="utf-8"?>
-<p:sld xmlns:a="http://schemas.openxmlformats.org/drawingml/2006/main" xmlns:r="http://schemas.openxmlformats.org/officeDocument/2006/relationships" xmlns:p="http://schemas.openxmlformats.org/presentationml/2006/main">
-  <p:cSld>
-    <p:spTree>
-      <p:nvGrpSpPr>
-        <p:cNvPr id="1" name=""/>
-        <p:cNvGrpSpPr/>
-        <p:nvPr/>
-      </p:nvGrpSpPr>
-      <p:grpSpPr>
-        <a:xfrm>
-          <a:off x="0" y="0"/>
-          <a:ext cx="0" cy="0"/>
-          <a:chOff x="0" y="0"/>
-          <a:chExt cx="0" cy="0"/>
-        </a:xfrm>
-      </p:grpSpPr>
-      <p:sp>
-        <p:nvSpPr>
-          <p:cNvPr id="2" name="Title 1">
-            <a:extLst>
-              <a:ext uri="{FF2B5EF4-FFF2-40B4-BE49-F238E27FC236}">
-                <a16:creationId xmlns:a16="http://schemas.microsoft.com/office/drawing/2014/main" id="{FD65400D-E7AE-8197-2215-39A081F24315}"/>
-              </a:ext>
-            </a:extLst>
-          </p:cNvPr>
-          <p:cNvSpPr>
-            <a:spLocks noGrp="1"/>
-          </p:cNvSpPr>
-          <p:nvPr>
-            <p:ph type="title"/>
-          </p:nvPr>
-        </p:nvSpPr>
-        <p:spPr/>
-        <p:txBody>
-          <a:bodyPr/>
-          <a:lstStyle/>
-          <a:p>
-            <a:r>
-              <a:rPr lang="en-US" dirty="0"/>
-              <a:t>Discussion of Results</a:t>
-            </a:r>
-          </a:p>
-        </p:txBody>
-      </p:sp>
-      <p:sp>
-        <p:nvSpPr>
-          <p:cNvPr id="3" name="Content Placeholder 2">
-            <a:extLst>
-              <a:ext uri="{FF2B5EF4-FFF2-40B4-BE49-F238E27FC236}">
-                <a16:creationId xmlns:a16="http://schemas.microsoft.com/office/drawing/2014/main" id="{5D3E5B65-F559-DDE2-BF23-7B871E74E2C7}"/>
-              </a:ext>
-            </a:extLst>
-          </p:cNvPr>
-          <p:cNvSpPr>
-            <a:spLocks noGrp="1"/>
-          </p:cNvSpPr>
-          <p:nvPr>
-            <p:ph idx="1"/>
-          </p:nvPr>
-        </p:nvSpPr>
-        <p:spPr/>
-        <p:txBody>
-          <a:bodyPr/>
-          <a:lstStyle/>
-          <a:p>
-            <a:r>
-              <a:rPr lang="en-US" dirty="0"/>
-              <a:t>Questionable consistency across different test sizes</a:t>
-            </a:r>
-          </a:p>
-          <a:p>
-            <a:endParaRPr lang="en-US" dirty="0"/>
-          </a:p>
-          <a:p>
-            <a:r>
-              <a:rPr lang="en-US" dirty="0"/>
-              <a:t>All three models performed fairly close in all classification measures</a:t>
-            </a:r>
-          </a:p>
-          <a:p>
-            <a:endParaRPr lang="en-US" dirty="0"/>
-          </a:p>
-          <a:p>
-            <a:r>
-              <a:rPr lang="en-US" dirty="0"/>
-              <a:t>85-86% accuracy</a:t>
-            </a:r>
-          </a:p>
-          <a:p>
-            <a:endParaRPr lang="en-US" dirty="0"/>
-          </a:p>
-        </p:txBody>
-      </p:sp>
-    </p:spTree>
-    <p:extLst>
-      <p:ext uri="{BB962C8B-B14F-4D97-AF65-F5344CB8AC3E}">
-        <p14:creationId xmlns:p14="http://schemas.microsoft.com/office/powerpoint/2010/main" val="730723215"/>
-      </p:ext>
-    </p:extLst>
-  </p:cSld>
-  <p:clrMapOvr>
-    <a:masterClrMapping/>
-  </p:clrMapOvr>
-</p:sld>
-</file>
-
 <file path=ppt/slides/slide13.xml><?xml version="1.0" encoding="utf-8"?>
 <p:sld xmlns:a="http://schemas.openxmlformats.org/drawingml/2006/main" xmlns:r="http://schemas.openxmlformats.org/officeDocument/2006/relationships" xmlns:p="http://schemas.openxmlformats.org/presentationml/2006/main">
   <p:cSld>
@@ -4161,7 +4152,7 @@
           <p:cNvPr id="2" name="Title 1">
             <a:extLst>
               <a:ext uri="{FF2B5EF4-FFF2-40B4-BE49-F238E27FC236}">
-                <a16:creationId xmlns:a16="http://schemas.microsoft.com/office/drawing/2014/main" id="{EB160552-3A55-AC12-4EDA-3D0A3094FEE6}"/>
+                <a16:creationId xmlns:a16="http://schemas.microsoft.com/office/drawing/2014/main" id="{FD65400D-E7AE-8197-2215-39A081F24315}"/>
               </a:ext>
             </a:extLst>
           </p:cNvPr>
@@ -4179,156 +4170,64 @@
           <a:p>
             <a:r>
               <a:rPr lang="en-US" dirty="0"/>
-              <a:t>Using the Model for Predictions</a:t>
-            </a:r>
-          </a:p>
-        </p:txBody>
-      </p:sp>
-      <p:pic>
-        <p:nvPicPr>
-          <p:cNvPr id="5" name="Content Placeholder 4">
-            <a:extLst>
-              <a:ext uri="{FF2B5EF4-FFF2-40B4-BE49-F238E27FC236}">
-                <a16:creationId xmlns:a16="http://schemas.microsoft.com/office/drawing/2014/main" id="{9101ACC5-935B-BEFE-3569-6E19936A2AFA}"/>
-              </a:ext>
-            </a:extLst>
-          </p:cNvPr>
-          <p:cNvPicPr>
-            <a:picLocks noGrp="1" noChangeAspect="1"/>
-          </p:cNvPicPr>
+              <a:t>Discussion of Results</a:t>
+            </a:r>
+          </a:p>
+        </p:txBody>
+      </p:sp>
+      <p:sp>
+        <p:nvSpPr>
+          <p:cNvPr id="3" name="Content Placeholder 2">
+            <a:extLst>
+              <a:ext uri="{FF2B5EF4-FFF2-40B4-BE49-F238E27FC236}">
+                <a16:creationId xmlns:a16="http://schemas.microsoft.com/office/drawing/2014/main" id="{5D3E5B65-F559-DDE2-BF23-7B871E74E2C7}"/>
+              </a:ext>
+            </a:extLst>
+          </p:cNvPr>
+          <p:cNvSpPr>
+            <a:spLocks noGrp="1"/>
+          </p:cNvSpPr>
           <p:nvPr>
             <p:ph idx="1"/>
           </p:nvPr>
-        </p:nvPicPr>
-        <p:blipFill>
-          <a:blip r:embed="rId2"/>
-          <a:stretch>
-            <a:fillRect/>
-          </a:stretch>
-        </p:blipFill>
-        <p:spPr>
-          <a:xfrm>
-            <a:off x="838200" y="1685255"/>
-            <a:ext cx="2884823" cy="2553685"/>
-          </a:xfrm>
-        </p:spPr>
-      </p:pic>
-      <p:pic>
-        <p:nvPicPr>
-          <p:cNvPr id="7" name="Picture 6">
-            <a:extLst>
-              <a:ext uri="{FF2B5EF4-FFF2-40B4-BE49-F238E27FC236}">
-                <a16:creationId xmlns:a16="http://schemas.microsoft.com/office/drawing/2014/main" id="{6F6C9EEF-610D-C8D5-85AC-884037DA7E8B}"/>
-              </a:ext>
-            </a:extLst>
-          </p:cNvPr>
-          <p:cNvPicPr>
-            <a:picLocks noChangeAspect="1"/>
-          </p:cNvPicPr>
-          <p:nvPr/>
-        </p:nvPicPr>
-        <p:blipFill>
-          <a:blip r:embed="rId3"/>
-          <a:stretch>
-            <a:fillRect/>
-          </a:stretch>
-        </p:blipFill>
-        <p:spPr>
-          <a:xfrm>
-            <a:off x="4112488" y="1690692"/>
-            <a:ext cx="2803040" cy="2550216"/>
-          </a:xfrm>
-          <a:prstGeom prst="rect">
-            <a:avLst/>
-          </a:prstGeom>
-        </p:spPr>
-      </p:pic>
-      <p:pic>
-        <p:nvPicPr>
-          <p:cNvPr id="9" name="Picture 8">
-            <a:extLst>
-              <a:ext uri="{FF2B5EF4-FFF2-40B4-BE49-F238E27FC236}">
-                <a16:creationId xmlns:a16="http://schemas.microsoft.com/office/drawing/2014/main" id="{1532A4D9-1722-A5A8-B5D0-3FFD90FF45E2}"/>
-              </a:ext>
-            </a:extLst>
-          </p:cNvPr>
-          <p:cNvPicPr>
-            <a:picLocks noChangeAspect="1"/>
-          </p:cNvPicPr>
-          <p:nvPr/>
-        </p:nvPicPr>
-        <p:blipFill>
-          <a:blip r:embed="rId4"/>
-          <a:stretch>
-            <a:fillRect/>
-          </a:stretch>
-        </p:blipFill>
-        <p:spPr>
-          <a:xfrm>
-            <a:off x="7179773" y="1685254"/>
-            <a:ext cx="3003161" cy="2555653"/>
-          </a:xfrm>
-          <a:prstGeom prst="rect">
-            <a:avLst/>
-          </a:prstGeom>
-        </p:spPr>
-      </p:pic>
-      <p:sp>
-        <p:nvSpPr>
-          <p:cNvPr id="10" name="TextBox 9">
-            <a:extLst>
-              <a:ext uri="{FF2B5EF4-FFF2-40B4-BE49-F238E27FC236}">
-                <a16:creationId xmlns:a16="http://schemas.microsoft.com/office/drawing/2014/main" id="{45D7BDFE-2F86-AD73-8929-0F66DDAEA10C}"/>
-              </a:ext>
-            </a:extLst>
-          </p:cNvPr>
-          <p:cNvSpPr txBox="1"/>
-          <p:nvPr/>
-        </p:nvSpPr>
-        <p:spPr>
-          <a:xfrm>
-            <a:off x="956789" y="4493277"/>
-            <a:ext cx="9894898" cy="923330"/>
-          </a:xfrm>
-          <a:prstGeom prst="rect">
-            <a:avLst/>
-          </a:prstGeom>
-          <a:noFill/>
-        </p:spPr>
-        <p:txBody>
-          <a:bodyPr wrap="square" rtlCol="0">
-            <a:spAutoFit/>
-          </a:bodyPr>
+        </p:nvSpPr>
+        <p:spPr/>
+        <p:txBody>
+          <a:bodyPr/>
           <a:lstStyle/>
           <a:p>
             <a:r>
               <a:rPr lang="en-US" dirty="0"/>
-              <a:t>Using the 33% Test Split, generated three random samples from dataset:</a:t>
-            </a:r>
-          </a:p>
-          <a:p>
-            <a:pPr marL="285750" indent="-285750">
-              <a:buFont typeface="Arial" panose="020B0604020202020204" pitchFamily="34" charset="0"/>
-              <a:buChar char="•"/>
-            </a:pPr>
+              <a:t>Questionable consistency across different test sizes</a:t>
+            </a:r>
+          </a:p>
+          <a:p>
             <a:endParaRPr lang="en-US" dirty="0"/>
           </a:p>
           <a:p>
-            <a:pPr marL="285750" indent="-285750">
-              <a:buFont typeface="Arial" panose="020B0604020202020204" pitchFamily="34" charset="0"/>
-              <a:buChar char="•"/>
-            </a:pPr>
             <a:r>
               <a:rPr lang="en-US" dirty="0"/>
-              <a:t>First two predictions successful, prediction 3 was unsuccessful</a:t>
-            </a:r>
+              <a:t>All three models performed fairly close in all classification measures</a:t>
+            </a:r>
+          </a:p>
+          <a:p>
+            <a:endParaRPr lang="en-US" dirty="0"/>
+          </a:p>
+          <a:p>
+            <a:r>
+              <a:rPr lang="en-US" dirty="0"/>
+              <a:t>85-86% accuracy</a:t>
+            </a:r>
+          </a:p>
+          <a:p>
+            <a:endParaRPr lang="en-US" dirty="0"/>
           </a:p>
         </p:txBody>
       </p:sp>
     </p:spTree>
     <p:extLst>
       <p:ext uri="{BB962C8B-B14F-4D97-AF65-F5344CB8AC3E}">
-        <p14:creationId xmlns:p14="http://schemas.microsoft.com/office/powerpoint/2010/main" val="3366676670"/>
+        <p14:creationId xmlns:p14="http://schemas.microsoft.com/office/powerpoint/2010/main" val="730723215"/>
       </p:ext>
     </p:extLst>
   </p:cSld>
@@ -4360,7 +4259,7 @@
           <p:cNvPr id="2" name="Title 1">
             <a:extLst>
               <a:ext uri="{FF2B5EF4-FFF2-40B4-BE49-F238E27FC236}">
-                <a16:creationId xmlns:a16="http://schemas.microsoft.com/office/drawing/2014/main" id="{F8832902-DE35-F8A6-FB06-E45E0888868D}"/>
+                <a16:creationId xmlns:a16="http://schemas.microsoft.com/office/drawing/2014/main" id="{EB160552-3A55-AC12-4EDA-3D0A3094FEE6}"/>
               </a:ext>
             </a:extLst>
           </p:cNvPr>
@@ -4378,91 +4277,156 @@
           <a:p>
             <a:r>
               <a:rPr lang="en-US" dirty="0"/>
-              <a:t>Conclusion</a:t>
-            </a:r>
-          </a:p>
-        </p:txBody>
-      </p:sp>
-      <p:sp>
-        <p:nvSpPr>
-          <p:cNvPr id="3" name="Content Placeholder 2">
-            <a:extLst>
-              <a:ext uri="{FF2B5EF4-FFF2-40B4-BE49-F238E27FC236}">
-                <a16:creationId xmlns:a16="http://schemas.microsoft.com/office/drawing/2014/main" id="{DF154646-1A93-8D32-388C-8E166D1A201E}"/>
-              </a:ext>
-            </a:extLst>
-          </p:cNvPr>
-          <p:cNvSpPr>
-            <a:spLocks noGrp="1"/>
-          </p:cNvSpPr>
+              <a:t>Using the Model for Predictions</a:t>
+            </a:r>
+          </a:p>
+        </p:txBody>
+      </p:sp>
+      <p:pic>
+        <p:nvPicPr>
+          <p:cNvPr id="5" name="Content Placeholder 4">
+            <a:extLst>
+              <a:ext uri="{FF2B5EF4-FFF2-40B4-BE49-F238E27FC236}">
+                <a16:creationId xmlns:a16="http://schemas.microsoft.com/office/drawing/2014/main" id="{9101ACC5-935B-BEFE-3569-6E19936A2AFA}"/>
+              </a:ext>
+            </a:extLst>
+          </p:cNvPr>
+          <p:cNvPicPr>
+            <a:picLocks noGrp="1" noChangeAspect="1"/>
+          </p:cNvPicPr>
           <p:nvPr>
             <p:ph idx="1"/>
           </p:nvPr>
-        </p:nvSpPr>
-        <p:spPr/>
-        <p:txBody>
-          <a:bodyPr/>
-          <a:lstStyle/>
-          <a:p>
-            <a:pPr marL="0" indent="0">
-              <a:buNone/>
-            </a:pPr>
+        </p:nvPicPr>
+        <p:blipFill>
+          <a:blip r:embed="rId2"/>
+          <a:stretch>
+            <a:fillRect/>
+          </a:stretch>
+        </p:blipFill>
+        <p:spPr>
+          <a:xfrm>
+            <a:off x="838200" y="1685255"/>
+            <a:ext cx="2884823" cy="2553685"/>
+          </a:xfrm>
+        </p:spPr>
+      </p:pic>
+      <p:pic>
+        <p:nvPicPr>
+          <p:cNvPr id="7" name="Picture 6">
+            <a:extLst>
+              <a:ext uri="{FF2B5EF4-FFF2-40B4-BE49-F238E27FC236}">
+                <a16:creationId xmlns:a16="http://schemas.microsoft.com/office/drawing/2014/main" id="{6F6C9EEF-610D-C8D5-85AC-884037DA7E8B}"/>
+              </a:ext>
+            </a:extLst>
+          </p:cNvPr>
+          <p:cNvPicPr>
+            <a:picLocks noChangeAspect="1"/>
+          </p:cNvPicPr>
+          <p:nvPr/>
+        </p:nvPicPr>
+        <p:blipFill>
+          <a:blip r:embed="rId3"/>
+          <a:stretch>
+            <a:fillRect/>
+          </a:stretch>
+        </p:blipFill>
+        <p:spPr>
+          <a:xfrm>
+            <a:off x="4112488" y="1690692"/>
+            <a:ext cx="2803040" cy="2550216"/>
+          </a:xfrm>
+          <a:prstGeom prst="rect">
+            <a:avLst/>
+          </a:prstGeom>
+        </p:spPr>
+      </p:pic>
+      <p:pic>
+        <p:nvPicPr>
+          <p:cNvPr id="9" name="Picture 8">
+            <a:extLst>
+              <a:ext uri="{FF2B5EF4-FFF2-40B4-BE49-F238E27FC236}">
+                <a16:creationId xmlns:a16="http://schemas.microsoft.com/office/drawing/2014/main" id="{1532A4D9-1722-A5A8-B5D0-3FFD90FF45E2}"/>
+              </a:ext>
+            </a:extLst>
+          </p:cNvPr>
+          <p:cNvPicPr>
+            <a:picLocks noChangeAspect="1"/>
+          </p:cNvPicPr>
+          <p:nvPr/>
+        </p:nvPicPr>
+        <p:blipFill>
+          <a:blip r:embed="rId4"/>
+          <a:stretch>
+            <a:fillRect/>
+          </a:stretch>
+        </p:blipFill>
+        <p:spPr>
+          <a:xfrm>
+            <a:off x="7179773" y="1685254"/>
+            <a:ext cx="3003161" cy="2555653"/>
+          </a:xfrm>
+          <a:prstGeom prst="rect">
+            <a:avLst/>
+          </a:prstGeom>
+        </p:spPr>
+      </p:pic>
+      <p:sp>
+        <p:nvSpPr>
+          <p:cNvPr id="10" name="TextBox 9">
+            <a:extLst>
+              <a:ext uri="{FF2B5EF4-FFF2-40B4-BE49-F238E27FC236}">
+                <a16:creationId xmlns:a16="http://schemas.microsoft.com/office/drawing/2014/main" id="{45D7BDFE-2F86-AD73-8929-0F66DDAEA10C}"/>
+              </a:ext>
+            </a:extLst>
+          </p:cNvPr>
+          <p:cNvSpPr txBox="1"/>
+          <p:nvPr/>
+        </p:nvSpPr>
+        <p:spPr>
+          <a:xfrm>
+            <a:off x="956789" y="4493277"/>
+            <a:ext cx="9894898" cy="923330"/>
+          </a:xfrm>
+          <a:prstGeom prst="rect">
+            <a:avLst/>
+          </a:prstGeom>
+          <a:noFill/>
+        </p:spPr>
+        <p:txBody>
+          <a:bodyPr wrap="square" rtlCol="0">
+            <a:spAutoFit/>
+          </a:bodyPr>
+          <a:lstStyle/>
+          <a:p>
             <a:r>
               <a:rPr lang="en-US" dirty="0"/>
-              <a:t>The model was successful in predicting the outcome of a building </a:t>
-            </a:r>
-          </a:p>
-          <a:p>
-            <a:pPr marL="0" indent="0">
-              <a:buNone/>
+              <a:t>Using the 33% Test Split, generated three random samples from dataset:</a:t>
+            </a:r>
+          </a:p>
+          <a:p>
+            <a:pPr marL="285750" indent="-285750">
+              <a:buFont typeface="Arial" panose="020B0604020202020204" pitchFamily="34" charset="0"/>
+              <a:buChar char="•"/>
             </a:pPr>
             <a:endParaRPr lang="en-US" dirty="0"/>
           </a:p>
           <a:p>
-            <a:pPr marL="0" indent="0">
-              <a:buNone/>
+            <a:pPr marL="285750" indent="-285750">
+              <a:buFont typeface="Arial" panose="020B0604020202020204" pitchFamily="34" charset="0"/>
+              <a:buChar char="•"/>
             </a:pPr>
             <a:r>
               <a:rPr lang="en-US" dirty="0"/>
-              <a:t>In order to be more reliable and answer critical questions, the model needs improvement: </a:t>
-            </a:r>
-          </a:p>
-          <a:p>
-            <a:pPr marL="0" indent="0">
-              <a:buNone/>
-            </a:pPr>
-            <a:endParaRPr lang="en-US" dirty="0"/>
-          </a:p>
-          <a:p>
-            <a:r>
-              <a:rPr lang="en-US" dirty="0"/>
-              <a:t>Tracking different earthquakes</a:t>
-            </a:r>
-          </a:p>
-          <a:p>
-            <a:endParaRPr lang="en-US" dirty="0"/>
-          </a:p>
-          <a:p>
-            <a:r>
-              <a:rPr lang="en-US" dirty="0"/>
-              <a:t>Tracking different factors when it comes to building and land characteristics</a:t>
-            </a:r>
-          </a:p>
-          <a:p>
-            <a:pPr marL="0" indent="0">
-              <a:buNone/>
-            </a:pPr>
-            <a:endParaRPr lang="en-US" dirty="0"/>
-          </a:p>
-          <a:p>
-            <a:endParaRPr lang="en-US" dirty="0"/>
+              <a:t>First two predictions successful, prediction 3 was unsuccessful</a:t>
+            </a:r>
           </a:p>
         </p:txBody>
       </p:sp>
     </p:spTree>
     <p:extLst>
       <p:ext uri="{BB962C8B-B14F-4D97-AF65-F5344CB8AC3E}">
-        <p14:creationId xmlns:p14="http://schemas.microsoft.com/office/powerpoint/2010/main" val="2526146467"/>
+        <p14:creationId xmlns:p14="http://schemas.microsoft.com/office/powerpoint/2010/main" val="3366676670"/>
       </p:ext>
     </p:extLst>
   </p:cSld>
@@ -4494,7 +4458,7 @@
           <p:cNvPr id="2" name="Title 1">
             <a:extLst>
               <a:ext uri="{FF2B5EF4-FFF2-40B4-BE49-F238E27FC236}">
-                <a16:creationId xmlns:a16="http://schemas.microsoft.com/office/drawing/2014/main" id="{BAC3BDA3-FB43-D953-DEB4-8EB1C26E72AC}"/>
+                <a16:creationId xmlns:a16="http://schemas.microsoft.com/office/drawing/2014/main" id="{F8832902-DE35-F8A6-FB06-E45E0888868D}"/>
               </a:ext>
             </a:extLst>
           </p:cNvPr>
@@ -4512,7 +4476,7 @@
           <a:p>
             <a:r>
               <a:rPr lang="en-US" dirty="0"/>
-              <a:t>Questions?</a:t>
+              <a:t>Conclusion</a:t>
             </a:r>
           </a:p>
         </p:txBody>
@@ -4522,7 +4486,7 @@
           <p:cNvPr id="3" name="Content Placeholder 2">
             <a:extLst>
               <a:ext uri="{FF2B5EF4-FFF2-40B4-BE49-F238E27FC236}">
-                <a16:creationId xmlns:a16="http://schemas.microsoft.com/office/drawing/2014/main" id="{ECEE4207-1DCC-994D-7AE1-AB3D24ECF893}"/>
+                <a16:creationId xmlns:a16="http://schemas.microsoft.com/office/drawing/2014/main" id="{DF154646-1A93-8D32-388C-8E166D1A201E}"/>
               </a:ext>
             </a:extLst>
           </p:cNvPr>
@@ -4538,14 +4502,74 @@
           <a:bodyPr/>
           <a:lstStyle/>
           <a:p>
-            <a:endParaRPr lang="en-US"/>
+            <a:pPr marL="0" indent="0">
+              <a:buNone/>
+            </a:pPr>
+            <a:r>
+              <a:rPr lang="en-US" dirty="0"/>
+              <a:t>The model was successful in predicting the outcome of a building </a:t>
+            </a:r>
+          </a:p>
+          <a:p>
+            <a:pPr marL="0" indent="0">
+              <a:buNone/>
+            </a:pPr>
+            <a:endParaRPr lang="en-US" dirty="0"/>
+          </a:p>
+          <a:p>
+            <a:pPr marL="0" indent="0">
+              <a:buNone/>
+            </a:pPr>
+            <a:r>
+              <a:rPr lang="en-US" dirty="0"/>
+              <a:t>In order to be more reliable and answer critical questions, the model needs improvement: </a:t>
+            </a:r>
+          </a:p>
+          <a:p>
+            <a:pPr marL="0" indent="0">
+              <a:buNone/>
+            </a:pPr>
+            <a:endParaRPr lang="en-US" dirty="0"/>
+          </a:p>
+          <a:p>
+            <a:r>
+              <a:rPr lang="en-US" dirty="0"/>
+              <a:t>Tracking different earthquakes</a:t>
+            </a:r>
+          </a:p>
+          <a:p>
+            <a:endParaRPr lang="en-US" dirty="0"/>
+          </a:p>
+          <a:p>
+            <a:r>
+              <a:rPr lang="en-US" dirty="0"/>
+              <a:t>Tracking different factors when it comes to building and land characteristics</a:t>
+            </a:r>
+          </a:p>
+          <a:p>
+            <a:endParaRPr lang="en-US" dirty="0"/>
+          </a:p>
+          <a:p>
+            <a:r>
+              <a:rPr lang="en-US" dirty="0"/>
+              <a:t>More advanced model</a:t>
+            </a:r>
+          </a:p>
+          <a:p>
+            <a:pPr marL="0" indent="0">
+              <a:buNone/>
+            </a:pPr>
+            <a:endParaRPr lang="en-US" dirty="0"/>
+          </a:p>
+          <a:p>
+            <a:endParaRPr lang="en-US" dirty="0"/>
           </a:p>
         </p:txBody>
       </p:sp>
     </p:spTree>
     <p:extLst>
       <p:ext uri="{BB962C8B-B14F-4D97-AF65-F5344CB8AC3E}">
-        <p14:creationId xmlns:p14="http://schemas.microsoft.com/office/powerpoint/2010/main" val="3326244016"/>
+        <p14:creationId xmlns:p14="http://schemas.microsoft.com/office/powerpoint/2010/main" val="2526146467"/>
       </p:ext>
     </p:extLst>
   </p:cSld>
@@ -5435,7 +5459,7 @@
           <p:cNvPr id="2" name="Title 1">
             <a:extLst>
               <a:ext uri="{FF2B5EF4-FFF2-40B4-BE49-F238E27FC236}">
-                <a16:creationId xmlns:a16="http://schemas.microsoft.com/office/drawing/2014/main" id="{6BC5D247-3D3A-CA0A-3816-709E710EDD4E}"/>
+                <a16:creationId xmlns:a16="http://schemas.microsoft.com/office/drawing/2014/main" id="{2E30EE96-FF3C-3D6A-9F41-A408BFE16097}"/>
               </a:ext>
             </a:extLst>
           </p:cNvPr>
@@ -5446,62 +5470,74 @@
             <p:ph type="title"/>
           </p:nvPr>
         </p:nvSpPr>
-        <p:spPr>
-          <a:xfrm>
-            <a:off x="838200" y="365129"/>
-            <a:ext cx="10515600" cy="1325563"/>
-          </a:xfrm>
-        </p:spPr>
-        <p:txBody>
-          <a:bodyPr anchor="ctr">
-            <a:normAutofit/>
-          </a:bodyPr>
+        <p:spPr/>
+        <p:txBody>
+          <a:bodyPr/>
           <a:lstStyle/>
           <a:p>
             <a:r>
               <a:rPr lang="en-US" dirty="0"/>
-              <a:t>Experiment One – 33% Test Size</a:t>
-            </a:r>
-          </a:p>
-        </p:txBody>
-      </p:sp>
-      <p:pic>
-        <p:nvPicPr>
-          <p:cNvPr id="4" name="Content Placeholder 3" descr="A number of numbers on a white background&#10;&#10;Description automatically generated">
-            <a:extLst>
-              <a:ext uri="{FF2B5EF4-FFF2-40B4-BE49-F238E27FC236}">
-                <a16:creationId xmlns:a16="http://schemas.microsoft.com/office/drawing/2014/main" id="{7980E755-360A-B799-3F78-C9B80399A303}"/>
-              </a:ext>
-            </a:extLst>
-          </p:cNvPr>
-          <p:cNvPicPr>
-            <a:picLocks noGrp="1" noChangeAspect="1"/>
-          </p:cNvPicPr>
+              <a:t>Experimental Design</a:t>
+            </a:r>
+          </a:p>
+        </p:txBody>
+      </p:sp>
+      <p:sp>
+        <p:nvSpPr>
+          <p:cNvPr id="3" name="Content Placeholder 2">
+            <a:extLst>
+              <a:ext uri="{FF2B5EF4-FFF2-40B4-BE49-F238E27FC236}">
+                <a16:creationId xmlns:a16="http://schemas.microsoft.com/office/drawing/2014/main" id="{DC787229-F073-C3D9-2AAD-15F0C5C1DB93}"/>
+              </a:ext>
+            </a:extLst>
+          </p:cNvPr>
+          <p:cNvSpPr>
+            <a:spLocks noGrp="1"/>
+          </p:cNvSpPr>
           <p:nvPr>
             <p:ph idx="1"/>
           </p:nvPr>
-        </p:nvPicPr>
-        <p:blipFill>
-          <a:blip r:embed="rId2"/>
-          <a:stretch>
-            <a:fillRect/>
-          </a:stretch>
-        </p:blipFill>
-        <p:spPr>
-          <a:xfrm>
-            <a:off x="838200" y="2410809"/>
-            <a:ext cx="10515600" cy="3180970"/>
-          </a:xfrm>
-          <a:prstGeom prst="rect">
-            <a:avLst/>
-          </a:prstGeom>
-          <a:noFill/>
-        </p:spPr>
-      </p:pic>
+        </p:nvSpPr>
+        <p:spPr/>
+        <p:txBody>
+          <a:bodyPr/>
+          <a:lstStyle/>
+          <a:p>
+            <a:pPr marL="0" indent="0">
+              <a:buNone/>
+            </a:pPr>
+            <a:r>
+              <a:rPr lang="en-US" dirty="0"/>
+              <a:t>Predicting binary outcome of 0 (Withstood) and 1 (Destroyed)</a:t>
+            </a:r>
+          </a:p>
+          <a:p>
+            <a:pPr marL="0" indent="0">
+              <a:buNone/>
+            </a:pPr>
+            <a:endParaRPr lang="en-US" dirty="0"/>
+          </a:p>
+          <a:p>
+            <a:r>
+              <a:rPr lang="en-US" dirty="0"/>
+              <a:t>Three different test sizes (33%, 25%, 1%)</a:t>
+            </a:r>
+          </a:p>
+          <a:p>
+            <a:endParaRPr lang="en-US" dirty="0"/>
+          </a:p>
+          <a:p>
+            <a:r>
+              <a:rPr lang="en-US" dirty="0"/>
+              <a:t>Using only variables related to building and land characteristics</a:t>
+            </a:r>
+          </a:p>
+        </p:txBody>
+      </p:sp>
     </p:spTree>
     <p:extLst>
       <p:ext uri="{BB962C8B-B14F-4D97-AF65-F5344CB8AC3E}">
-        <p14:creationId xmlns:p14="http://schemas.microsoft.com/office/powerpoint/2010/main" val="259225579"/>
+        <p14:creationId xmlns:p14="http://schemas.microsoft.com/office/powerpoint/2010/main" val="2684311848"/>
       </p:ext>
     </p:extLst>
   </p:cSld>
